--- a/source/ppt/Nes.pptx
+++ b/source/ppt/Nes.pptx
@@ -114,7 +114,7 @@
             <a:srgbClr val="A4A3A4"/>
           </p15:clr>
         </p15:guide>
-        <p15:guide id="2" pos="3840" userDrawn="1">
+        <p15:guide id="2" pos="3863" userDrawn="1">
           <p15:clr>
             <a:srgbClr val="A4A3A4"/>
           </p15:clr>
@@ -4913,6 +4913,13 @@
   <p:clrMapOvr>
     <a:masterClrMapping/>
   </p:clrMapOvr>
+  <p:timing>
+    <p:tnLst>
+      <p:par>
+        <p:cTn id="1" dur="indefinite" restart="never" nodeType="tmRoot"/>
+      </p:par>
+    </p:tnLst>
+  </p:timing>
 </p:sld>
 </file>
 
@@ -4933,6 +4940,2364 @@
           <a:chExt cx="0" cy="0"/>
         </a:xfrm>
       </p:grpSpPr>
+      <p:sp>
+        <p:nvSpPr>
+          <p:cNvPr id="2" name="文本框 1"/>
+          <p:cNvSpPr txBox="1"/>
+          <p:nvPr/>
+        </p:nvSpPr>
+        <p:spPr>
+          <a:xfrm>
+            <a:off x="344774" y="194872"/>
+            <a:ext cx="2623278" cy="369332"/>
+          </a:xfrm>
+          <a:prstGeom prst="rect">
+            <a:avLst/>
+          </a:prstGeom>
+          <a:noFill/>
+        </p:spPr>
+        <p:txBody>
+          <a:bodyPr wrap="square" rtlCol="0">
+            <a:spAutoFit/>
+          </a:bodyPr>
+          <a:lstStyle/>
+          <a:p>
+            <a:r>
+              <a:rPr lang="en-US" altLang="zh-CN" dirty="0" smtClean="0"/>
+              <a:t>RAM</a:t>
+            </a:r>
+            <a:r>
+              <a:rPr lang="zh-CN" altLang="en-US" dirty="0" smtClean="0"/>
+              <a:t>使用布局案例</a:t>
+            </a:r>
+            <a:endParaRPr lang="zh-CN" altLang="en-US" dirty="0"/>
+          </a:p>
+        </p:txBody>
+      </p:sp>
+      <p:grpSp>
+        <p:nvGrpSpPr>
+          <p:cNvPr id="54" name="组合 53"/>
+          <p:cNvGrpSpPr/>
+          <p:nvPr/>
+        </p:nvGrpSpPr>
+        <p:grpSpPr>
+          <a:xfrm>
+            <a:off x="524987" y="904452"/>
+            <a:ext cx="11236906" cy="4371087"/>
+            <a:chOff x="524987" y="904452"/>
+            <a:chExt cx="11236906" cy="4371087"/>
+          </a:xfrm>
+        </p:grpSpPr>
+        <p:grpSp>
+          <p:nvGrpSpPr>
+            <p:cNvPr id="24" name="组合 23"/>
+            <p:cNvGrpSpPr/>
+            <p:nvPr/>
+          </p:nvGrpSpPr>
+          <p:grpSpPr>
+            <a:xfrm>
+              <a:off x="782532" y="3107520"/>
+              <a:ext cx="10626936" cy="321480"/>
+              <a:chOff x="782532" y="3107520"/>
+              <a:chExt cx="10626936" cy="321480"/>
+            </a:xfrm>
+          </p:grpSpPr>
+          <p:grpSp>
+            <p:nvGrpSpPr>
+              <p:cNvPr id="18" name="组合 17"/>
+              <p:cNvGrpSpPr/>
+              <p:nvPr/>
+            </p:nvGrpSpPr>
+            <p:grpSpPr>
+              <a:xfrm>
+                <a:off x="782532" y="3107520"/>
+                <a:ext cx="5313468" cy="321480"/>
+                <a:chOff x="596924" y="3005614"/>
+                <a:chExt cx="6278644" cy="363866"/>
+              </a:xfrm>
+            </p:grpSpPr>
+            <p:sp>
+              <p:nvSpPr>
+                <p:cNvPr id="4" name="矩形 3"/>
+                <p:cNvSpPr/>
+                <p:nvPr/>
+              </p:nvSpPr>
+              <p:spPr>
+                <a:xfrm>
+                  <a:off x="596924" y="3005614"/>
+                  <a:ext cx="1569661" cy="363866"/>
+                </a:xfrm>
+                <a:prstGeom prst="rect">
+                  <a:avLst/>
+                </a:prstGeom>
+                <a:ln w="28575">
+                  <a:solidFill>
+                    <a:srgbClr val="FF0000"/>
+                  </a:solidFill>
+                </a:ln>
+              </p:spPr>
+              <p:style>
+                <a:lnRef idx="2">
+                  <a:schemeClr val="accent1">
+                    <a:shade val="50000"/>
+                  </a:schemeClr>
+                </a:lnRef>
+                <a:fillRef idx="1">
+                  <a:schemeClr val="accent1"/>
+                </a:fillRef>
+                <a:effectRef idx="0">
+                  <a:schemeClr val="accent1"/>
+                </a:effectRef>
+                <a:fontRef idx="minor">
+                  <a:schemeClr val="lt1"/>
+                </a:fontRef>
+              </p:style>
+              <p:txBody>
+                <a:bodyPr rtlCol="0" anchor="ctr"/>
+                <a:lstStyle/>
+                <a:p>
+                  <a:pPr algn="ctr"/>
+                  <a:endParaRPr lang="zh-CN" altLang="en-US"/>
+                </a:p>
+              </p:txBody>
+            </p:sp>
+            <p:sp>
+              <p:nvSpPr>
+                <p:cNvPr id="15" name="矩形 14"/>
+                <p:cNvSpPr/>
+                <p:nvPr/>
+              </p:nvSpPr>
+              <p:spPr>
+                <a:xfrm>
+                  <a:off x="2166585" y="3005614"/>
+                  <a:ext cx="1569661" cy="363866"/>
+                </a:xfrm>
+                <a:prstGeom prst="rect">
+                  <a:avLst/>
+                </a:prstGeom>
+                <a:ln w="28575">
+                  <a:solidFill>
+                    <a:srgbClr val="FF0000"/>
+                  </a:solidFill>
+                </a:ln>
+              </p:spPr>
+              <p:style>
+                <a:lnRef idx="2">
+                  <a:schemeClr val="accent1">
+                    <a:shade val="50000"/>
+                  </a:schemeClr>
+                </a:lnRef>
+                <a:fillRef idx="1">
+                  <a:schemeClr val="accent1"/>
+                </a:fillRef>
+                <a:effectRef idx="0">
+                  <a:schemeClr val="accent1"/>
+                </a:effectRef>
+                <a:fontRef idx="minor">
+                  <a:schemeClr val="lt1"/>
+                </a:fontRef>
+              </p:style>
+              <p:txBody>
+                <a:bodyPr rtlCol="0" anchor="ctr"/>
+                <a:lstStyle/>
+                <a:p>
+                  <a:pPr algn="ctr"/>
+                  <a:endParaRPr lang="zh-CN" altLang="en-US"/>
+                </a:p>
+              </p:txBody>
+            </p:sp>
+            <p:sp>
+              <p:nvSpPr>
+                <p:cNvPr id="16" name="矩形 15"/>
+                <p:cNvSpPr/>
+                <p:nvPr/>
+              </p:nvSpPr>
+              <p:spPr>
+                <a:xfrm>
+                  <a:off x="3736246" y="3005614"/>
+                  <a:ext cx="1569661" cy="363866"/>
+                </a:xfrm>
+                <a:prstGeom prst="rect">
+                  <a:avLst/>
+                </a:prstGeom>
+                <a:ln w="28575">
+                  <a:solidFill>
+                    <a:srgbClr val="FF0000"/>
+                  </a:solidFill>
+                </a:ln>
+              </p:spPr>
+              <p:style>
+                <a:lnRef idx="2">
+                  <a:schemeClr val="accent1">
+                    <a:shade val="50000"/>
+                  </a:schemeClr>
+                </a:lnRef>
+                <a:fillRef idx="1">
+                  <a:schemeClr val="accent1"/>
+                </a:fillRef>
+                <a:effectRef idx="0">
+                  <a:schemeClr val="accent1"/>
+                </a:effectRef>
+                <a:fontRef idx="minor">
+                  <a:schemeClr val="lt1"/>
+                </a:fontRef>
+              </p:style>
+              <p:txBody>
+                <a:bodyPr rtlCol="0" anchor="ctr"/>
+                <a:lstStyle>
+                  <a:defPPr>
+                    <a:defRPr lang="zh-CN"/>
+                  </a:defPPr>
+                  <a:lvl1pPr marL="0" algn="l" defTabSz="914400" rtl="0" eaLnBrk="1" latinLnBrk="0" hangingPunct="1">
+                    <a:defRPr sz="1800" kern="1200">
+                      <a:solidFill>
+                        <a:schemeClr val="lt1"/>
+                      </a:solidFill>
+                      <a:latin typeface="+mn-lt"/>
+                      <a:ea typeface="+mn-ea"/>
+                      <a:cs typeface="+mn-cs"/>
+                    </a:defRPr>
+                  </a:lvl1pPr>
+                  <a:lvl2pPr marL="457200" algn="l" defTabSz="914400" rtl="0" eaLnBrk="1" latinLnBrk="0" hangingPunct="1">
+                    <a:defRPr sz="1800" kern="1200">
+                      <a:solidFill>
+                        <a:schemeClr val="lt1"/>
+                      </a:solidFill>
+                      <a:latin typeface="+mn-lt"/>
+                      <a:ea typeface="+mn-ea"/>
+                      <a:cs typeface="+mn-cs"/>
+                    </a:defRPr>
+                  </a:lvl2pPr>
+                  <a:lvl3pPr marL="914400" algn="l" defTabSz="914400" rtl="0" eaLnBrk="1" latinLnBrk="0" hangingPunct="1">
+                    <a:defRPr sz="1800" kern="1200">
+                      <a:solidFill>
+                        <a:schemeClr val="lt1"/>
+                      </a:solidFill>
+                      <a:latin typeface="+mn-lt"/>
+                      <a:ea typeface="+mn-ea"/>
+                      <a:cs typeface="+mn-cs"/>
+                    </a:defRPr>
+                  </a:lvl3pPr>
+                  <a:lvl4pPr marL="1371600" algn="l" defTabSz="914400" rtl="0" eaLnBrk="1" latinLnBrk="0" hangingPunct="1">
+                    <a:defRPr sz="1800" kern="1200">
+                      <a:solidFill>
+                        <a:schemeClr val="lt1"/>
+                      </a:solidFill>
+                      <a:latin typeface="+mn-lt"/>
+                      <a:ea typeface="+mn-ea"/>
+                      <a:cs typeface="+mn-cs"/>
+                    </a:defRPr>
+                  </a:lvl4pPr>
+                  <a:lvl5pPr marL="1828800" algn="l" defTabSz="914400" rtl="0" eaLnBrk="1" latinLnBrk="0" hangingPunct="1">
+                    <a:defRPr sz="1800" kern="1200">
+                      <a:solidFill>
+                        <a:schemeClr val="lt1"/>
+                      </a:solidFill>
+                      <a:latin typeface="+mn-lt"/>
+                      <a:ea typeface="+mn-ea"/>
+                      <a:cs typeface="+mn-cs"/>
+                    </a:defRPr>
+                  </a:lvl5pPr>
+                  <a:lvl6pPr marL="2286000" algn="l" defTabSz="914400" rtl="0" eaLnBrk="1" latinLnBrk="0" hangingPunct="1">
+                    <a:defRPr sz="1800" kern="1200">
+                      <a:solidFill>
+                        <a:schemeClr val="lt1"/>
+                      </a:solidFill>
+                      <a:latin typeface="+mn-lt"/>
+                      <a:ea typeface="+mn-ea"/>
+                      <a:cs typeface="+mn-cs"/>
+                    </a:defRPr>
+                  </a:lvl6pPr>
+                  <a:lvl7pPr marL="2743200" algn="l" defTabSz="914400" rtl="0" eaLnBrk="1" latinLnBrk="0" hangingPunct="1">
+                    <a:defRPr sz="1800" kern="1200">
+                      <a:solidFill>
+                        <a:schemeClr val="lt1"/>
+                      </a:solidFill>
+                      <a:latin typeface="+mn-lt"/>
+                      <a:ea typeface="+mn-ea"/>
+                      <a:cs typeface="+mn-cs"/>
+                    </a:defRPr>
+                  </a:lvl7pPr>
+                  <a:lvl8pPr marL="3200400" algn="l" defTabSz="914400" rtl="0" eaLnBrk="1" latinLnBrk="0" hangingPunct="1">
+                    <a:defRPr sz="1800" kern="1200">
+                      <a:solidFill>
+                        <a:schemeClr val="lt1"/>
+                      </a:solidFill>
+                      <a:latin typeface="+mn-lt"/>
+                      <a:ea typeface="+mn-ea"/>
+                      <a:cs typeface="+mn-cs"/>
+                    </a:defRPr>
+                  </a:lvl8pPr>
+                  <a:lvl9pPr marL="3657600" algn="l" defTabSz="914400" rtl="0" eaLnBrk="1" latinLnBrk="0" hangingPunct="1">
+                    <a:defRPr sz="1800" kern="1200">
+                      <a:solidFill>
+                        <a:schemeClr val="lt1"/>
+                      </a:solidFill>
+                      <a:latin typeface="+mn-lt"/>
+                      <a:ea typeface="+mn-ea"/>
+                      <a:cs typeface="+mn-cs"/>
+                    </a:defRPr>
+                  </a:lvl9pPr>
+                </a:lstStyle>
+                <a:p>
+                  <a:pPr algn="ctr"/>
+                  <a:endParaRPr lang="zh-CN" altLang="en-US"/>
+                </a:p>
+              </p:txBody>
+            </p:sp>
+            <p:sp>
+              <p:nvSpPr>
+                <p:cNvPr id="17" name="矩形 16"/>
+                <p:cNvSpPr/>
+                <p:nvPr/>
+              </p:nvSpPr>
+              <p:spPr>
+                <a:xfrm>
+                  <a:off x="5305907" y="3005614"/>
+                  <a:ext cx="1569661" cy="363866"/>
+                </a:xfrm>
+                <a:prstGeom prst="rect">
+                  <a:avLst/>
+                </a:prstGeom>
+                <a:ln w="28575">
+                  <a:solidFill>
+                    <a:srgbClr val="FF0000"/>
+                  </a:solidFill>
+                </a:ln>
+              </p:spPr>
+              <p:style>
+                <a:lnRef idx="2">
+                  <a:schemeClr val="accent1">
+                    <a:shade val="50000"/>
+                  </a:schemeClr>
+                </a:lnRef>
+                <a:fillRef idx="1">
+                  <a:schemeClr val="accent1"/>
+                </a:fillRef>
+                <a:effectRef idx="0">
+                  <a:schemeClr val="accent1"/>
+                </a:effectRef>
+                <a:fontRef idx="minor">
+                  <a:schemeClr val="lt1"/>
+                </a:fontRef>
+              </p:style>
+              <p:txBody>
+                <a:bodyPr rtlCol="0" anchor="ctr"/>
+                <a:lstStyle>
+                  <a:defPPr>
+                    <a:defRPr lang="zh-CN"/>
+                  </a:defPPr>
+                  <a:lvl1pPr marL="0" algn="l" defTabSz="914400" rtl="0" eaLnBrk="1" latinLnBrk="0" hangingPunct="1">
+                    <a:defRPr sz="1800" kern="1200">
+                      <a:solidFill>
+                        <a:schemeClr val="lt1"/>
+                      </a:solidFill>
+                      <a:latin typeface="+mn-lt"/>
+                      <a:ea typeface="+mn-ea"/>
+                      <a:cs typeface="+mn-cs"/>
+                    </a:defRPr>
+                  </a:lvl1pPr>
+                  <a:lvl2pPr marL="457200" algn="l" defTabSz="914400" rtl="0" eaLnBrk="1" latinLnBrk="0" hangingPunct="1">
+                    <a:defRPr sz="1800" kern="1200">
+                      <a:solidFill>
+                        <a:schemeClr val="lt1"/>
+                      </a:solidFill>
+                      <a:latin typeface="+mn-lt"/>
+                      <a:ea typeface="+mn-ea"/>
+                      <a:cs typeface="+mn-cs"/>
+                    </a:defRPr>
+                  </a:lvl2pPr>
+                  <a:lvl3pPr marL="914400" algn="l" defTabSz="914400" rtl="0" eaLnBrk="1" latinLnBrk="0" hangingPunct="1">
+                    <a:defRPr sz="1800" kern="1200">
+                      <a:solidFill>
+                        <a:schemeClr val="lt1"/>
+                      </a:solidFill>
+                      <a:latin typeface="+mn-lt"/>
+                      <a:ea typeface="+mn-ea"/>
+                      <a:cs typeface="+mn-cs"/>
+                    </a:defRPr>
+                  </a:lvl3pPr>
+                  <a:lvl4pPr marL="1371600" algn="l" defTabSz="914400" rtl="0" eaLnBrk="1" latinLnBrk="0" hangingPunct="1">
+                    <a:defRPr sz="1800" kern="1200">
+                      <a:solidFill>
+                        <a:schemeClr val="lt1"/>
+                      </a:solidFill>
+                      <a:latin typeface="+mn-lt"/>
+                      <a:ea typeface="+mn-ea"/>
+                      <a:cs typeface="+mn-cs"/>
+                    </a:defRPr>
+                  </a:lvl4pPr>
+                  <a:lvl5pPr marL="1828800" algn="l" defTabSz="914400" rtl="0" eaLnBrk="1" latinLnBrk="0" hangingPunct="1">
+                    <a:defRPr sz="1800" kern="1200">
+                      <a:solidFill>
+                        <a:schemeClr val="lt1"/>
+                      </a:solidFill>
+                      <a:latin typeface="+mn-lt"/>
+                      <a:ea typeface="+mn-ea"/>
+                      <a:cs typeface="+mn-cs"/>
+                    </a:defRPr>
+                  </a:lvl5pPr>
+                  <a:lvl6pPr marL="2286000" algn="l" defTabSz="914400" rtl="0" eaLnBrk="1" latinLnBrk="0" hangingPunct="1">
+                    <a:defRPr sz="1800" kern="1200">
+                      <a:solidFill>
+                        <a:schemeClr val="lt1"/>
+                      </a:solidFill>
+                      <a:latin typeface="+mn-lt"/>
+                      <a:ea typeface="+mn-ea"/>
+                      <a:cs typeface="+mn-cs"/>
+                    </a:defRPr>
+                  </a:lvl6pPr>
+                  <a:lvl7pPr marL="2743200" algn="l" defTabSz="914400" rtl="0" eaLnBrk="1" latinLnBrk="0" hangingPunct="1">
+                    <a:defRPr sz="1800" kern="1200">
+                      <a:solidFill>
+                        <a:schemeClr val="lt1"/>
+                      </a:solidFill>
+                      <a:latin typeface="+mn-lt"/>
+                      <a:ea typeface="+mn-ea"/>
+                      <a:cs typeface="+mn-cs"/>
+                    </a:defRPr>
+                  </a:lvl7pPr>
+                  <a:lvl8pPr marL="3200400" algn="l" defTabSz="914400" rtl="0" eaLnBrk="1" latinLnBrk="0" hangingPunct="1">
+                    <a:defRPr sz="1800" kern="1200">
+                      <a:solidFill>
+                        <a:schemeClr val="lt1"/>
+                      </a:solidFill>
+                      <a:latin typeface="+mn-lt"/>
+                      <a:ea typeface="+mn-ea"/>
+                      <a:cs typeface="+mn-cs"/>
+                    </a:defRPr>
+                  </a:lvl8pPr>
+                  <a:lvl9pPr marL="3657600" algn="l" defTabSz="914400" rtl="0" eaLnBrk="1" latinLnBrk="0" hangingPunct="1">
+                    <a:defRPr sz="1800" kern="1200">
+                      <a:solidFill>
+                        <a:schemeClr val="lt1"/>
+                      </a:solidFill>
+                      <a:latin typeface="+mn-lt"/>
+                      <a:ea typeface="+mn-ea"/>
+                      <a:cs typeface="+mn-cs"/>
+                    </a:defRPr>
+                  </a:lvl9pPr>
+                </a:lstStyle>
+                <a:p>
+                  <a:pPr algn="ctr"/>
+                  <a:endParaRPr lang="zh-CN" altLang="en-US"/>
+                </a:p>
+              </p:txBody>
+            </p:sp>
+          </p:grpSp>
+          <p:grpSp>
+            <p:nvGrpSpPr>
+              <p:cNvPr id="19" name="组合 18"/>
+              <p:cNvGrpSpPr/>
+              <p:nvPr/>
+            </p:nvGrpSpPr>
+            <p:grpSpPr>
+              <a:xfrm>
+                <a:off x="6096000" y="3107520"/>
+                <a:ext cx="5313468" cy="321480"/>
+                <a:chOff x="596924" y="3005614"/>
+                <a:chExt cx="6278644" cy="363866"/>
+              </a:xfrm>
+            </p:grpSpPr>
+            <p:sp>
+              <p:nvSpPr>
+                <p:cNvPr id="20" name="矩形 19"/>
+                <p:cNvSpPr/>
+                <p:nvPr/>
+              </p:nvSpPr>
+              <p:spPr>
+                <a:xfrm>
+                  <a:off x="596924" y="3005614"/>
+                  <a:ext cx="1569661" cy="363866"/>
+                </a:xfrm>
+                <a:prstGeom prst="rect">
+                  <a:avLst/>
+                </a:prstGeom>
+                <a:ln w="28575">
+                  <a:solidFill>
+                    <a:srgbClr val="FF0000"/>
+                  </a:solidFill>
+                </a:ln>
+              </p:spPr>
+              <p:style>
+                <a:lnRef idx="2">
+                  <a:schemeClr val="accent1">
+                    <a:shade val="50000"/>
+                  </a:schemeClr>
+                </a:lnRef>
+                <a:fillRef idx="1">
+                  <a:schemeClr val="accent1"/>
+                </a:fillRef>
+                <a:effectRef idx="0">
+                  <a:schemeClr val="accent1"/>
+                </a:effectRef>
+                <a:fontRef idx="minor">
+                  <a:schemeClr val="lt1"/>
+                </a:fontRef>
+              </p:style>
+              <p:txBody>
+                <a:bodyPr rtlCol="0" anchor="ctr"/>
+                <a:lstStyle/>
+                <a:p>
+                  <a:pPr algn="ctr"/>
+                  <a:endParaRPr lang="zh-CN" altLang="en-US"/>
+                </a:p>
+              </p:txBody>
+            </p:sp>
+            <p:sp>
+              <p:nvSpPr>
+                <p:cNvPr id="21" name="矩形 20"/>
+                <p:cNvSpPr/>
+                <p:nvPr/>
+              </p:nvSpPr>
+              <p:spPr>
+                <a:xfrm>
+                  <a:off x="2166585" y="3005614"/>
+                  <a:ext cx="1569661" cy="363866"/>
+                </a:xfrm>
+                <a:prstGeom prst="rect">
+                  <a:avLst/>
+                </a:prstGeom>
+                <a:ln w="28575">
+                  <a:solidFill>
+                    <a:srgbClr val="FF0000"/>
+                  </a:solidFill>
+                </a:ln>
+              </p:spPr>
+              <p:style>
+                <a:lnRef idx="2">
+                  <a:schemeClr val="accent1">
+                    <a:shade val="50000"/>
+                  </a:schemeClr>
+                </a:lnRef>
+                <a:fillRef idx="1">
+                  <a:schemeClr val="accent1"/>
+                </a:fillRef>
+                <a:effectRef idx="0">
+                  <a:schemeClr val="accent1"/>
+                </a:effectRef>
+                <a:fontRef idx="minor">
+                  <a:schemeClr val="lt1"/>
+                </a:fontRef>
+              </p:style>
+              <p:txBody>
+                <a:bodyPr rtlCol="0" anchor="ctr"/>
+                <a:lstStyle/>
+                <a:p>
+                  <a:pPr algn="ctr"/>
+                  <a:endParaRPr lang="zh-CN" altLang="en-US"/>
+                </a:p>
+              </p:txBody>
+            </p:sp>
+            <p:sp>
+              <p:nvSpPr>
+                <p:cNvPr id="22" name="矩形 21"/>
+                <p:cNvSpPr/>
+                <p:nvPr/>
+              </p:nvSpPr>
+              <p:spPr>
+                <a:xfrm>
+                  <a:off x="3736246" y="3005614"/>
+                  <a:ext cx="1569661" cy="363866"/>
+                </a:xfrm>
+                <a:prstGeom prst="rect">
+                  <a:avLst/>
+                </a:prstGeom>
+                <a:ln w="28575">
+                  <a:solidFill>
+                    <a:srgbClr val="FF0000"/>
+                  </a:solidFill>
+                </a:ln>
+              </p:spPr>
+              <p:style>
+                <a:lnRef idx="2">
+                  <a:schemeClr val="accent1">
+                    <a:shade val="50000"/>
+                  </a:schemeClr>
+                </a:lnRef>
+                <a:fillRef idx="1">
+                  <a:schemeClr val="accent1"/>
+                </a:fillRef>
+                <a:effectRef idx="0">
+                  <a:schemeClr val="accent1"/>
+                </a:effectRef>
+                <a:fontRef idx="minor">
+                  <a:schemeClr val="lt1"/>
+                </a:fontRef>
+              </p:style>
+              <p:txBody>
+                <a:bodyPr rtlCol="0" anchor="ctr"/>
+                <a:lstStyle>
+                  <a:defPPr>
+                    <a:defRPr lang="zh-CN"/>
+                  </a:defPPr>
+                  <a:lvl1pPr marL="0" algn="l" defTabSz="914400" rtl="0" eaLnBrk="1" latinLnBrk="0" hangingPunct="1">
+                    <a:defRPr sz="1800" kern="1200">
+                      <a:solidFill>
+                        <a:schemeClr val="lt1"/>
+                      </a:solidFill>
+                      <a:latin typeface="+mn-lt"/>
+                      <a:ea typeface="+mn-ea"/>
+                      <a:cs typeface="+mn-cs"/>
+                    </a:defRPr>
+                  </a:lvl1pPr>
+                  <a:lvl2pPr marL="457200" algn="l" defTabSz="914400" rtl="0" eaLnBrk="1" latinLnBrk="0" hangingPunct="1">
+                    <a:defRPr sz="1800" kern="1200">
+                      <a:solidFill>
+                        <a:schemeClr val="lt1"/>
+                      </a:solidFill>
+                      <a:latin typeface="+mn-lt"/>
+                      <a:ea typeface="+mn-ea"/>
+                      <a:cs typeface="+mn-cs"/>
+                    </a:defRPr>
+                  </a:lvl2pPr>
+                  <a:lvl3pPr marL="914400" algn="l" defTabSz="914400" rtl="0" eaLnBrk="1" latinLnBrk="0" hangingPunct="1">
+                    <a:defRPr sz="1800" kern="1200">
+                      <a:solidFill>
+                        <a:schemeClr val="lt1"/>
+                      </a:solidFill>
+                      <a:latin typeface="+mn-lt"/>
+                      <a:ea typeface="+mn-ea"/>
+                      <a:cs typeface="+mn-cs"/>
+                    </a:defRPr>
+                  </a:lvl3pPr>
+                  <a:lvl4pPr marL="1371600" algn="l" defTabSz="914400" rtl="0" eaLnBrk="1" latinLnBrk="0" hangingPunct="1">
+                    <a:defRPr sz="1800" kern="1200">
+                      <a:solidFill>
+                        <a:schemeClr val="lt1"/>
+                      </a:solidFill>
+                      <a:latin typeface="+mn-lt"/>
+                      <a:ea typeface="+mn-ea"/>
+                      <a:cs typeface="+mn-cs"/>
+                    </a:defRPr>
+                  </a:lvl4pPr>
+                  <a:lvl5pPr marL="1828800" algn="l" defTabSz="914400" rtl="0" eaLnBrk="1" latinLnBrk="0" hangingPunct="1">
+                    <a:defRPr sz="1800" kern="1200">
+                      <a:solidFill>
+                        <a:schemeClr val="lt1"/>
+                      </a:solidFill>
+                      <a:latin typeface="+mn-lt"/>
+                      <a:ea typeface="+mn-ea"/>
+                      <a:cs typeface="+mn-cs"/>
+                    </a:defRPr>
+                  </a:lvl5pPr>
+                  <a:lvl6pPr marL="2286000" algn="l" defTabSz="914400" rtl="0" eaLnBrk="1" latinLnBrk="0" hangingPunct="1">
+                    <a:defRPr sz="1800" kern="1200">
+                      <a:solidFill>
+                        <a:schemeClr val="lt1"/>
+                      </a:solidFill>
+                      <a:latin typeface="+mn-lt"/>
+                      <a:ea typeface="+mn-ea"/>
+                      <a:cs typeface="+mn-cs"/>
+                    </a:defRPr>
+                  </a:lvl6pPr>
+                  <a:lvl7pPr marL="2743200" algn="l" defTabSz="914400" rtl="0" eaLnBrk="1" latinLnBrk="0" hangingPunct="1">
+                    <a:defRPr sz="1800" kern="1200">
+                      <a:solidFill>
+                        <a:schemeClr val="lt1"/>
+                      </a:solidFill>
+                      <a:latin typeface="+mn-lt"/>
+                      <a:ea typeface="+mn-ea"/>
+                      <a:cs typeface="+mn-cs"/>
+                    </a:defRPr>
+                  </a:lvl7pPr>
+                  <a:lvl8pPr marL="3200400" algn="l" defTabSz="914400" rtl="0" eaLnBrk="1" latinLnBrk="0" hangingPunct="1">
+                    <a:defRPr sz="1800" kern="1200">
+                      <a:solidFill>
+                        <a:schemeClr val="lt1"/>
+                      </a:solidFill>
+                      <a:latin typeface="+mn-lt"/>
+                      <a:ea typeface="+mn-ea"/>
+                      <a:cs typeface="+mn-cs"/>
+                    </a:defRPr>
+                  </a:lvl8pPr>
+                  <a:lvl9pPr marL="3657600" algn="l" defTabSz="914400" rtl="0" eaLnBrk="1" latinLnBrk="0" hangingPunct="1">
+                    <a:defRPr sz="1800" kern="1200">
+                      <a:solidFill>
+                        <a:schemeClr val="lt1"/>
+                      </a:solidFill>
+                      <a:latin typeface="+mn-lt"/>
+                      <a:ea typeface="+mn-ea"/>
+                      <a:cs typeface="+mn-cs"/>
+                    </a:defRPr>
+                  </a:lvl9pPr>
+                </a:lstStyle>
+                <a:p>
+                  <a:pPr algn="ctr"/>
+                  <a:endParaRPr lang="zh-CN" altLang="en-US"/>
+                </a:p>
+              </p:txBody>
+            </p:sp>
+            <p:sp>
+              <p:nvSpPr>
+                <p:cNvPr id="23" name="矩形 22"/>
+                <p:cNvSpPr/>
+                <p:nvPr/>
+              </p:nvSpPr>
+              <p:spPr>
+                <a:xfrm>
+                  <a:off x="5305907" y="3005614"/>
+                  <a:ext cx="1569661" cy="363866"/>
+                </a:xfrm>
+                <a:prstGeom prst="rect">
+                  <a:avLst/>
+                </a:prstGeom>
+                <a:ln w="28575">
+                  <a:solidFill>
+                    <a:srgbClr val="FF0000"/>
+                  </a:solidFill>
+                </a:ln>
+              </p:spPr>
+              <p:style>
+                <a:lnRef idx="2">
+                  <a:schemeClr val="accent1">
+                    <a:shade val="50000"/>
+                  </a:schemeClr>
+                </a:lnRef>
+                <a:fillRef idx="1">
+                  <a:schemeClr val="accent1"/>
+                </a:fillRef>
+                <a:effectRef idx="0">
+                  <a:schemeClr val="accent1"/>
+                </a:effectRef>
+                <a:fontRef idx="minor">
+                  <a:schemeClr val="lt1"/>
+                </a:fontRef>
+              </p:style>
+              <p:txBody>
+                <a:bodyPr rtlCol="0" anchor="ctr"/>
+                <a:lstStyle>
+                  <a:defPPr>
+                    <a:defRPr lang="zh-CN"/>
+                  </a:defPPr>
+                  <a:lvl1pPr marL="0" algn="l" defTabSz="914400" rtl="0" eaLnBrk="1" latinLnBrk="0" hangingPunct="1">
+                    <a:defRPr sz="1800" kern="1200">
+                      <a:solidFill>
+                        <a:schemeClr val="lt1"/>
+                      </a:solidFill>
+                      <a:latin typeface="+mn-lt"/>
+                      <a:ea typeface="+mn-ea"/>
+                      <a:cs typeface="+mn-cs"/>
+                    </a:defRPr>
+                  </a:lvl1pPr>
+                  <a:lvl2pPr marL="457200" algn="l" defTabSz="914400" rtl="0" eaLnBrk="1" latinLnBrk="0" hangingPunct="1">
+                    <a:defRPr sz="1800" kern="1200">
+                      <a:solidFill>
+                        <a:schemeClr val="lt1"/>
+                      </a:solidFill>
+                      <a:latin typeface="+mn-lt"/>
+                      <a:ea typeface="+mn-ea"/>
+                      <a:cs typeface="+mn-cs"/>
+                    </a:defRPr>
+                  </a:lvl2pPr>
+                  <a:lvl3pPr marL="914400" algn="l" defTabSz="914400" rtl="0" eaLnBrk="1" latinLnBrk="0" hangingPunct="1">
+                    <a:defRPr sz="1800" kern="1200">
+                      <a:solidFill>
+                        <a:schemeClr val="lt1"/>
+                      </a:solidFill>
+                      <a:latin typeface="+mn-lt"/>
+                      <a:ea typeface="+mn-ea"/>
+                      <a:cs typeface="+mn-cs"/>
+                    </a:defRPr>
+                  </a:lvl3pPr>
+                  <a:lvl4pPr marL="1371600" algn="l" defTabSz="914400" rtl="0" eaLnBrk="1" latinLnBrk="0" hangingPunct="1">
+                    <a:defRPr sz="1800" kern="1200">
+                      <a:solidFill>
+                        <a:schemeClr val="lt1"/>
+                      </a:solidFill>
+                      <a:latin typeface="+mn-lt"/>
+                      <a:ea typeface="+mn-ea"/>
+                      <a:cs typeface="+mn-cs"/>
+                    </a:defRPr>
+                  </a:lvl4pPr>
+                  <a:lvl5pPr marL="1828800" algn="l" defTabSz="914400" rtl="0" eaLnBrk="1" latinLnBrk="0" hangingPunct="1">
+                    <a:defRPr sz="1800" kern="1200">
+                      <a:solidFill>
+                        <a:schemeClr val="lt1"/>
+                      </a:solidFill>
+                      <a:latin typeface="+mn-lt"/>
+                      <a:ea typeface="+mn-ea"/>
+                      <a:cs typeface="+mn-cs"/>
+                    </a:defRPr>
+                  </a:lvl5pPr>
+                  <a:lvl6pPr marL="2286000" algn="l" defTabSz="914400" rtl="0" eaLnBrk="1" latinLnBrk="0" hangingPunct="1">
+                    <a:defRPr sz="1800" kern="1200">
+                      <a:solidFill>
+                        <a:schemeClr val="lt1"/>
+                      </a:solidFill>
+                      <a:latin typeface="+mn-lt"/>
+                      <a:ea typeface="+mn-ea"/>
+                      <a:cs typeface="+mn-cs"/>
+                    </a:defRPr>
+                  </a:lvl6pPr>
+                  <a:lvl7pPr marL="2743200" algn="l" defTabSz="914400" rtl="0" eaLnBrk="1" latinLnBrk="0" hangingPunct="1">
+                    <a:defRPr sz="1800" kern="1200">
+                      <a:solidFill>
+                        <a:schemeClr val="lt1"/>
+                      </a:solidFill>
+                      <a:latin typeface="+mn-lt"/>
+                      <a:ea typeface="+mn-ea"/>
+                      <a:cs typeface="+mn-cs"/>
+                    </a:defRPr>
+                  </a:lvl7pPr>
+                  <a:lvl8pPr marL="3200400" algn="l" defTabSz="914400" rtl="0" eaLnBrk="1" latinLnBrk="0" hangingPunct="1">
+                    <a:defRPr sz="1800" kern="1200">
+                      <a:solidFill>
+                        <a:schemeClr val="lt1"/>
+                      </a:solidFill>
+                      <a:latin typeface="+mn-lt"/>
+                      <a:ea typeface="+mn-ea"/>
+                      <a:cs typeface="+mn-cs"/>
+                    </a:defRPr>
+                  </a:lvl8pPr>
+                  <a:lvl9pPr marL="3657600" algn="l" defTabSz="914400" rtl="0" eaLnBrk="1" latinLnBrk="0" hangingPunct="1">
+                    <a:defRPr sz="1800" kern="1200">
+                      <a:solidFill>
+                        <a:schemeClr val="lt1"/>
+                      </a:solidFill>
+                      <a:latin typeface="+mn-lt"/>
+                      <a:ea typeface="+mn-ea"/>
+                      <a:cs typeface="+mn-cs"/>
+                    </a:defRPr>
+                  </a:lvl9pPr>
+                </a:lstStyle>
+                <a:p>
+                  <a:pPr algn="ctr"/>
+                  <a:endParaRPr lang="zh-CN" altLang="en-US"/>
+                </a:p>
+              </p:txBody>
+            </p:sp>
+          </p:grpSp>
+        </p:grpSp>
+        <p:cxnSp>
+          <p:nvCxnSpPr>
+            <p:cNvPr id="26" name="直接连接符 25"/>
+            <p:cNvCxnSpPr/>
+            <p:nvPr/>
+          </p:nvCxnSpPr>
+          <p:spPr>
+            <a:xfrm>
+              <a:off x="866775" y="2552700"/>
+              <a:ext cx="0" cy="1276350"/>
+            </a:xfrm>
+            <a:prstGeom prst="line">
+              <a:avLst/>
+            </a:prstGeom>
+            <a:ln w="38100">
+              <a:solidFill>
+                <a:srgbClr val="FF0000"/>
+              </a:solidFill>
+            </a:ln>
+          </p:spPr>
+          <p:style>
+            <a:lnRef idx="1">
+              <a:schemeClr val="accent1"/>
+            </a:lnRef>
+            <a:fillRef idx="0">
+              <a:schemeClr val="accent1"/>
+            </a:fillRef>
+            <a:effectRef idx="0">
+              <a:schemeClr val="accent1"/>
+            </a:effectRef>
+            <a:fontRef idx="minor">
+              <a:schemeClr val="tx1"/>
+            </a:fontRef>
+          </p:style>
+        </p:cxnSp>
+        <p:cxnSp>
+          <p:nvCxnSpPr>
+            <p:cNvPr id="27" name="直接连接符 26"/>
+            <p:cNvCxnSpPr/>
+            <p:nvPr/>
+          </p:nvCxnSpPr>
+          <p:spPr>
+            <a:xfrm>
+              <a:off x="2110899" y="2552700"/>
+              <a:ext cx="0" cy="1276350"/>
+            </a:xfrm>
+            <a:prstGeom prst="line">
+              <a:avLst/>
+            </a:prstGeom>
+            <a:ln w="38100">
+              <a:solidFill>
+                <a:srgbClr val="FF0000"/>
+              </a:solidFill>
+            </a:ln>
+          </p:spPr>
+          <p:style>
+            <a:lnRef idx="1">
+              <a:schemeClr val="accent1"/>
+            </a:lnRef>
+            <a:fillRef idx="0">
+              <a:schemeClr val="accent1"/>
+            </a:fillRef>
+            <a:effectRef idx="0">
+              <a:schemeClr val="accent1"/>
+            </a:effectRef>
+            <a:fontRef idx="minor">
+              <a:schemeClr val="tx1"/>
+            </a:fontRef>
+          </p:style>
+        </p:cxnSp>
+        <p:cxnSp>
+          <p:nvCxnSpPr>
+            <p:cNvPr id="28" name="直接连接符 27"/>
+            <p:cNvCxnSpPr/>
+            <p:nvPr/>
+          </p:nvCxnSpPr>
+          <p:spPr>
+            <a:xfrm>
+              <a:off x="3439266" y="2552700"/>
+              <a:ext cx="0" cy="1276350"/>
+            </a:xfrm>
+            <a:prstGeom prst="line">
+              <a:avLst/>
+            </a:prstGeom>
+            <a:ln w="38100">
+              <a:solidFill>
+                <a:srgbClr val="FF0000"/>
+              </a:solidFill>
+            </a:ln>
+          </p:spPr>
+          <p:style>
+            <a:lnRef idx="1">
+              <a:schemeClr val="accent1"/>
+            </a:lnRef>
+            <a:fillRef idx="0">
+              <a:schemeClr val="accent1"/>
+            </a:fillRef>
+            <a:effectRef idx="0">
+              <a:schemeClr val="accent1"/>
+            </a:effectRef>
+            <a:fontRef idx="minor">
+              <a:schemeClr val="tx1"/>
+            </a:fontRef>
+          </p:style>
+        </p:cxnSp>
+        <p:sp>
+          <p:nvSpPr>
+            <p:cNvPr id="29" name="文本框 28"/>
+            <p:cNvSpPr txBox="1"/>
+            <p:nvPr/>
+          </p:nvSpPr>
+          <p:spPr>
+            <a:xfrm>
+              <a:off x="1758474" y="3829050"/>
+              <a:ext cx="704850" cy="307777"/>
+            </a:xfrm>
+            <a:prstGeom prst="rect">
+              <a:avLst/>
+            </a:prstGeom>
+            <a:noFill/>
+          </p:spPr>
+          <p:txBody>
+            <a:bodyPr wrap="square" rtlCol="0">
+              <a:spAutoFit/>
+            </a:bodyPr>
+            <a:lstStyle/>
+            <a:p>
+              <a:r>
+                <a:rPr lang="en-US" altLang="zh-CN" sz="1400" dirty="0" smtClean="0"/>
+                <a:t>$00FF</a:t>
+              </a:r>
+              <a:endParaRPr lang="zh-CN" altLang="en-US" sz="1400" dirty="0"/>
+            </a:p>
+          </p:txBody>
+        </p:sp>
+        <p:sp>
+          <p:nvSpPr>
+            <p:cNvPr id="30" name="文本框 29"/>
+            <p:cNvSpPr txBox="1"/>
+            <p:nvPr/>
+          </p:nvSpPr>
+          <p:spPr>
+            <a:xfrm>
+              <a:off x="524987" y="3829049"/>
+              <a:ext cx="704850" cy="307777"/>
+            </a:xfrm>
+            <a:prstGeom prst="rect">
+              <a:avLst/>
+            </a:prstGeom>
+            <a:noFill/>
+          </p:spPr>
+          <p:txBody>
+            <a:bodyPr wrap="square" rtlCol="0">
+              <a:spAutoFit/>
+            </a:bodyPr>
+            <a:lstStyle/>
+            <a:p>
+              <a:r>
+                <a:rPr lang="en-US" altLang="zh-CN" sz="1400" dirty="0" smtClean="0"/>
+                <a:t>$000F</a:t>
+              </a:r>
+              <a:endParaRPr lang="zh-CN" altLang="en-US" sz="1400" dirty="0"/>
+            </a:p>
+          </p:txBody>
+        </p:sp>
+        <p:cxnSp>
+          <p:nvCxnSpPr>
+            <p:cNvPr id="31" name="直接连接符 30"/>
+            <p:cNvCxnSpPr/>
+            <p:nvPr/>
+          </p:nvCxnSpPr>
+          <p:spPr>
+            <a:xfrm>
+              <a:off x="2973926" y="2552699"/>
+              <a:ext cx="0" cy="1276350"/>
+            </a:xfrm>
+            <a:prstGeom prst="line">
+              <a:avLst/>
+            </a:prstGeom>
+            <a:ln w="38100">
+              <a:solidFill>
+                <a:srgbClr val="FF0000"/>
+              </a:solidFill>
+            </a:ln>
+          </p:spPr>
+          <p:style>
+            <a:lnRef idx="1">
+              <a:schemeClr val="accent1"/>
+            </a:lnRef>
+            <a:fillRef idx="0">
+              <a:schemeClr val="accent1"/>
+            </a:fillRef>
+            <a:effectRef idx="0">
+              <a:schemeClr val="accent1"/>
+            </a:effectRef>
+            <a:fontRef idx="minor">
+              <a:schemeClr val="tx1"/>
+            </a:fontRef>
+          </p:style>
+        </p:cxnSp>
+        <p:sp>
+          <p:nvSpPr>
+            <p:cNvPr id="32" name="文本框 31"/>
+            <p:cNvSpPr txBox="1"/>
+            <p:nvPr/>
+          </p:nvSpPr>
+          <p:spPr>
+            <a:xfrm>
+              <a:off x="3289644" y="3875062"/>
+              <a:ext cx="704850" cy="307777"/>
+            </a:xfrm>
+            <a:prstGeom prst="rect">
+              <a:avLst/>
+            </a:prstGeom>
+            <a:noFill/>
+          </p:spPr>
+          <p:txBody>
+            <a:bodyPr wrap="square" rtlCol="0">
+              <a:spAutoFit/>
+            </a:bodyPr>
+            <a:lstStyle/>
+            <a:p>
+              <a:r>
+                <a:rPr lang="en-US" altLang="zh-CN" sz="1400" dirty="0" smtClean="0"/>
+                <a:t>$01FF</a:t>
+              </a:r>
+              <a:endParaRPr lang="zh-CN" altLang="en-US" sz="1400" dirty="0"/>
+            </a:p>
+          </p:txBody>
+        </p:sp>
+        <p:cxnSp>
+          <p:nvCxnSpPr>
+            <p:cNvPr id="33" name="直接连接符 32"/>
+            <p:cNvCxnSpPr/>
+            <p:nvPr/>
+          </p:nvCxnSpPr>
+          <p:spPr>
+            <a:xfrm>
+              <a:off x="4767633" y="2574120"/>
+              <a:ext cx="0" cy="1276350"/>
+            </a:xfrm>
+            <a:prstGeom prst="line">
+              <a:avLst/>
+            </a:prstGeom>
+            <a:ln w="38100">
+              <a:solidFill>
+                <a:srgbClr val="FF0000"/>
+              </a:solidFill>
+            </a:ln>
+          </p:spPr>
+          <p:style>
+            <a:lnRef idx="1">
+              <a:schemeClr val="accent1"/>
+            </a:lnRef>
+            <a:fillRef idx="0">
+              <a:schemeClr val="accent1"/>
+            </a:fillRef>
+            <a:effectRef idx="0">
+              <a:schemeClr val="accent1"/>
+            </a:effectRef>
+            <a:fontRef idx="minor">
+              <a:schemeClr val="tx1"/>
+            </a:fontRef>
+          </p:style>
+        </p:cxnSp>
+        <p:sp>
+          <p:nvSpPr>
+            <p:cNvPr id="34" name="文本框 33"/>
+            <p:cNvSpPr txBox="1"/>
+            <p:nvPr/>
+          </p:nvSpPr>
+          <p:spPr>
+            <a:xfrm>
+              <a:off x="4415208" y="3869519"/>
+              <a:ext cx="704850" cy="307777"/>
+            </a:xfrm>
+            <a:prstGeom prst="rect">
+              <a:avLst/>
+            </a:prstGeom>
+            <a:noFill/>
+          </p:spPr>
+          <p:txBody>
+            <a:bodyPr wrap="square" rtlCol="0">
+              <a:spAutoFit/>
+            </a:bodyPr>
+            <a:lstStyle/>
+            <a:p>
+              <a:r>
+                <a:rPr lang="en-US" altLang="zh-CN" sz="1400" dirty="0" smtClean="0"/>
+                <a:t>$02FF</a:t>
+              </a:r>
+              <a:endParaRPr lang="zh-CN" altLang="en-US" sz="1400" dirty="0"/>
+            </a:p>
+          </p:txBody>
+        </p:sp>
+        <p:cxnSp>
+          <p:nvCxnSpPr>
+            <p:cNvPr id="35" name="直接连接符 34"/>
+            <p:cNvCxnSpPr/>
+            <p:nvPr/>
+          </p:nvCxnSpPr>
+          <p:spPr>
+            <a:xfrm>
+              <a:off x="6096000" y="2583644"/>
+              <a:ext cx="0" cy="1276350"/>
+            </a:xfrm>
+            <a:prstGeom prst="line">
+              <a:avLst/>
+            </a:prstGeom>
+            <a:ln w="38100">
+              <a:solidFill>
+                <a:srgbClr val="FF0000"/>
+              </a:solidFill>
+            </a:ln>
+          </p:spPr>
+          <p:style>
+            <a:lnRef idx="1">
+              <a:schemeClr val="accent1"/>
+            </a:lnRef>
+            <a:fillRef idx="0">
+              <a:schemeClr val="accent1"/>
+            </a:fillRef>
+            <a:effectRef idx="0">
+              <a:schemeClr val="accent1"/>
+            </a:effectRef>
+            <a:fontRef idx="minor">
+              <a:schemeClr val="tx1"/>
+            </a:fontRef>
+          </p:style>
+        </p:cxnSp>
+        <p:sp>
+          <p:nvSpPr>
+            <p:cNvPr id="36" name="文本框 35"/>
+            <p:cNvSpPr txBox="1"/>
+            <p:nvPr/>
+          </p:nvSpPr>
+          <p:spPr>
+            <a:xfrm>
+              <a:off x="5743575" y="3879043"/>
+              <a:ext cx="704850" cy="307777"/>
+            </a:xfrm>
+            <a:prstGeom prst="rect">
+              <a:avLst/>
+            </a:prstGeom>
+            <a:noFill/>
+          </p:spPr>
+          <p:txBody>
+            <a:bodyPr wrap="square" rtlCol="0">
+              <a:spAutoFit/>
+            </a:bodyPr>
+            <a:lstStyle/>
+            <a:p>
+              <a:r>
+                <a:rPr lang="en-US" altLang="zh-CN" sz="1400" dirty="0" smtClean="0"/>
+                <a:t>$03FF</a:t>
+              </a:r>
+              <a:endParaRPr lang="zh-CN" altLang="en-US" sz="1400" dirty="0"/>
+            </a:p>
+          </p:txBody>
+        </p:sp>
+        <p:sp>
+          <p:nvSpPr>
+            <p:cNvPr id="37" name="矩形 36"/>
+            <p:cNvSpPr/>
+            <p:nvPr/>
+          </p:nvSpPr>
+          <p:spPr>
+            <a:xfrm>
+              <a:off x="2539524" y="3879043"/>
+              <a:ext cx="718397" cy="307777"/>
+            </a:xfrm>
+            <a:prstGeom prst="rect">
+              <a:avLst/>
+            </a:prstGeom>
+          </p:spPr>
+          <p:txBody>
+            <a:bodyPr wrap="square">
+              <a:spAutoFit/>
+            </a:bodyPr>
+            <a:lstStyle/>
+            <a:p>
+              <a:r>
+                <a:rPr lang="en-US" altLang="zh-CN" sz="1400" dirty="0"/>
+                <a:t>$019F</a:t>
+              </a:r>
+              <a:endParaRPr lang="zh-CN" altLang="en-US" sz="1400" dirty="0"/>
+            </a:p>
+          </p:txBody>
+        </p:sp>
+        <p:cxnSp>
+          <p:nvCxnSpPr>
+            <p:cNvPr id="38" name="直接连接符 37"/>
+            <p:cNvCxnSpPr/>
+            <p:nvPr/>
+          </p:nvCxnSpPr>
+          <p:spPr>
+            <a:xfrm>
+              <a:off x="11409468" y="2555071"/>
+              <a:ext cx="0" cy="1276350"/>
+            </a:xfrm>
+            <a:prstGeom prst="line">
+              <a:avLst/>
+            </a:prstGeom>
+            <a:ln w="38100">
+              <a:solidFill>
+                <a:srgbClr val="FF0000"/>
+              </a:solidFill>
+            </a:ln>
+          </p:spPr>
+          <p:style>
+            <a:lnRef idx="1">
+              <a:schemeClr val="accent1"/>
+            </a:lnRef>
+            <a:fillRef idx="0">
+              <a:schemeClr val="accent1"/>
+            </a:fillRef>
+            <a:effectRef idx="0">
+              <a:schemeClr val="accent1"/>
+            </a:effectRef>
+            <a:fontRef idx="minor">
+              <a:schemeClr val="tx1"/>
+            </a:fontRef>
+          </p:style>
+        </p:cxnSp>
+        <p:sp>
+          <p:nvSpPr>
+            <p:cNvPr id="39" name="文本框 38"/>
+            <p:cNvSpPr txBox="1"/>
+            <p:nvPr/>
+          </p:nvSpPr>
+          <p:spPr>
+            <a:xfrm>
+              <a:off x="11057043" y="3850470"/>
+              <a:ext cx="704850" cy="307777"/>
+            </a:xfrm>
+            <a:prstGeom prst="rect">
+              <a:avLst/>
+            </a:prstGeom>
+            <a:noFill/>
+          </p:spPr>
+          <p:txBody>
+            <a:bodyPr wrap="square" rtlCol="0">
+              <a:spAutoFit/>
+            </a:bodyPr>
+            <a:lstStyle/>
+            <a:p>
+              <a:r>
+                <a:rPr lang="en-US" altLang="zh-CN" sz="1400" dirty="0" smtClean="0"/>
+                <a:t>$07FF</a:t>
+              </a:r>
+              <a:endParaRPr lang="zh-CN" altLang="en-US" sz="1400" dirty="0"/>
+            </a:p>
+          </p:txBody>
+        </p:sp>
+        <p:sp>
+          <p:nvSpPr>
+            <p:cNvPr id="40" name="文本框 39"/>
+            <p:cNvSpPr txBox="1"/>
+            <p:nvPr/>
+          </p:nvSpPr>
+          <p:spPr>
+            <a:xfrm>
+              <a:off x="632910" y="1013432"/>
+              <a:ext cx="2656734" cy="523220"/>
+            </a:xfrm>
+            <a:prstGeom prst="rect">
+              <a:avLst/>
+            </a:prstGeom>
+            <a:noFill/>
+          </p:spPr>
+          <p:txBody>
+            <a:bodyPr wrap="square" rtlCol="0">
+              <a:spAutoFit/>
+            </a:bodyPr>
+            <a:lstStyle/>
+            <a:p>
+              <a:r>
+                <a:rPr lang="en-US" altLang="zh-CN" sz="1400" b="1" dirty="0" smtClean="0"/>
+                <a:t>$0000-$000F </a:t>
+              </a:r>
+              <a:r>
+                <a:rPr lang="en-US" altLang="zh-CN" sz="1400" dirty="0" smtClean="0"/>
+                <a:t>16 bytes</a:t>
+              </a:r>
+            </a:p>
+            <a:p>
+              <a:r>
+                <a:rPr lang="zh-CN" altLang="en-US" sz="1400" dirty="0" smtClean="0"/>
+                <a:t>局部变量和函数参数</a:t>
+              </a:r>
+              <a:endParaRPr lang="zh-CN" altLang="en-US" sz="1400" dirty="0"/>
+            </a:p>
+          </p:txBody>
+        </p:sp>
+        <p:sp>
+          <p:nvSpPr>
+            <p:cNvPr id="41" name="任意多边形 40"/>
+            <p:cNvSpPr/>
+            <p:nvPr/>
+          </p:nvSpPr>
+          <p:spPr>
+            <a:xfrm>
+              <a:off x="554297" y="1231900"/>
+              <a:ext cx="258503" cy="1854200"/>
+            </a:xfrm>
+            <a:custGeom>
+              <a:avLst/>
+              <a:gdLst>
+                <a:gd name="connsiteX0" fmla="*/ 258503 w 258503"/>
+                <a:gd name="connsiteY0" fmla="*/ 1854200 h 1854200"/>
+                <a:gd name="connsiteX1" fmla="*/ 207703 w 258503"/>
+                <a:gd name="connsiteY1" fmla="*/ 1244600 h 1854200"/>
+                <a:gd name="connsiteX2" fmla="*/ 207703 w 258503"/>
+                <a:gd name="connsiteY2" fmla="*/ 1092200 h 1854200"/>
+                <a:gd name="connsiteX3" fmla="*/ 207703 w 258503"/>
+                <a:gd name="connsiteY3" fmla="*/ 711200 h 1854200"/>
+                <a:gd name="connsiteX4" fmla="*/ 55303 w 258503"/>
+                <a:gd name="connsiteY4" fmla="*/ 444500 h 1854200"/>
+                <a:gd name="connsiteX5" fmla="*/ 4503 w 258503"/>
+                <a:gd name="connsiteY5" fmla="*/ 228600 h 1854200"/>
+                <a:gd name="connsiteX6" fmla="*/ 156903 w 258503"/>
+                <a:gd name="connsiteY6" fmla="*/ 0 h 1854200"/>
+              </a:gdLst>
+              <a:ahLst/>
+              <a:cxnLst>
+                <a:cxn ang="0">
+                  <a:pos x="connsiteX0" y="connsiteY0"/>
+                </a:cxn>
+                <a:cxn ang="0">
+                  <a:pos x="connsiteX1" y="connsiteY1"/>
+                </a:cxn>
+                <a:cxn ang="0">
+                  <a:pos x="connsiteX2" y="connsiteY2"/>
+                </a:cxn>
+                <a:cxn ang="0">
+                  <a:pos x="connsiteX3" y="connsiteY3"/>
+                </a:cxn>
+                <a:cxn ang="0">
+                  <a:pos x="connsiteX4" y="connsiteY4"/>
+                </a:cxn>
+                <a:cxn ang="0">
+                  <a:pos x="connsiteX5" y="connsiteY5"/>
+                </a:cxn>
+                <a:cxn ang="0">
+                  <a:pos x="connsiteX6" y="connsiteY6"/>
+                </a:cxn>
+              </a:cxnLst>
+              <a:rect l="l" t="t" r="r" b="b"/>
+              <a:pathLst>
+                <a:path w="258503" h="1854200">
+                  <a:moveTo>
+                    <a:pt x="258503" y="1854200"/>
+                  </a:moveTo>
+                  <a:cubicBezTo>
+                    <a:pt x="237336" y="1612900"/>
+                    <a:pt x="216170" y="1371600"/>
+                    <a:pt x="207703" y="1244600"/>
+                  </a:cubicBezTo>
+                  <a:cubicBezTo>
+                    <a:pt x="199236" y="1117600"/>
+                    <a:pt x="207703" y="1092200"/>
+                    <a:pt x="207703" y="1092200"/>
+                  </a:cubicBezTo>
+                  <a:cubicBezTo>
+                    <a:pt x="207703" y="1003300"/>
+                    <a:pt x="233103" y="819150"/>
+                    <a:pt x="207703" y="711200"/>
+                  </a:cubicBezTo>
+                  <a:cubicBezTo>
+                    <a:pt x="182303" y="603250"/>
+                    <a:pt x="89170" y="524933"/>
+                    <a:pt x="55303" y="444500"/>
+                  </a:cubicBezTo>
+                  <a:cubicBezTo>
+                    <a:pt x="21436" y="364067"/>
+                    <a:pt x="-12430" y="302683"/>
+                    <a:pt x="4503" y="228600"/>
+                  </a:cubicBezTo>
+                  <a:cubicBezTo>
+                    <a:pt x="21436" y="154517"/>
+                    <a:pt x="89169" y="77258"/>
+                    <a:pt x="156903" y="0"/>
+                  </a:cubicBezTo>
+                </a:path>
+              </a:pathLst>
+            </a:custGeom>
+            <a:noFill/>
+            <a:ln w="19050">
+              <a:solidFill>
+                <a:schemeClr val="accent2">
+                  <a:lumMod val="75000"/>
+                </a:schemeClr>
+              </a:solidFill>
+              <a:prstDash val="sysDash"/>
+              <a:headEnd type="none" w="med" len="med"/>
+              <a:tailEnd type="arrow" w="med" len="med"/>
+            </a:ln>
+          </p:spPr>
+          <p:style>
+            <a:lnRef idx="2">
+              <a:schemeClr val="accent1">
+                <a:shade val="50000"/>
+              </a:schemeClr>
+            </a:lnRef>
+            <a:fillRef idx="1">
+              <a:schemeClr val="accent1"/>
+            </a:fillRef>
+            <a:effectRef idx="0">
+              <a:schemeClr val="accent1"/>
+            </a:effectRef>
+            <a:fontRef idx="minor">
+              <a:schemeClr val="lt1"/>
+            </a:fontRef>
+          </p:style>
+          <p:txBody>
+            <a:bodyPr rtlCol="0" anchor="ctr"/>
+            <a:lstStyle/>
+            <a:p>
+              <a:pPr algn="ctr"/>
+              <a:endParaRPr lang="zh-CN" altLang="en-US"/>
+            </a:p>
+          </p:txBody>
+        </p:sp>
+        <p:sp>
+          <p:nvSpPr>
+            <p:cNvPr id="42" name="文本框 41"/>
+            <p:cNvSpPr txBox="1"/>
+            <p:nvPr/>
+          </p:nvSpPr>
+          <p:spPr>
+            <a:xfrm>
+              <a:off x="1006986" y="1762779"/>
+              <a:ext cx="2987507" cy="523220"/>
+            </a:xfrm>
+            <a:prstGeom prst="rect">
+              <a:avLst/>
+            </a:prstGeom>
+            <a:noFill/>
+          </p:spPr>
+          <p:txBody>
+            <a:bodyPr wrap="square" rtlCol="0">
+              <a:spAutoFit/>
+            </a:bodyPr>
+            <a:lstStyle/>
+            <a:p>
+              <a:r>
+                <a:rPr lang="en-US" altLang="zh-CN" sz="1400" b="1" dirty="0" smtClean="0"/>
+                <a:t>$0010-$00FF</a:t>
+              </a:r>
+              <a:r>
+                <a:rPr lang="en-US" altLang="zh-CN" sz="1400" dirty="0" smtClean="0"/>
+                <a:t> 240 bytes</a:t>
+              </a:r>
+            </a:p>
+            <a:p>
+              <a:r>
+                <a:rPr lang="zh-CN" altLang="en-US" sz="1400" dirty="0" smtClean="0"/>
+                <a:t>经常访问的全局变量，包括指针表</a:t>
+              </a:r>
+              <a:endParaRPr lang="zh-CN" altLang="en-US" sz="1400" dirty="0"/>
+            </a:p>
+          </p:txBody>
+        </p:sp>
+        <p:sp>
+          <p:nvSpPr>
+            <p:cNvPr id="43" name="任意多边形 42"/>
+            <p:cNvSpPr/>
+            <p:nvPr/>
+          </p:nvSpPr>
+          <p:spPr>
+            <a:xfrm>
+              <a:off x="970178" y="2031999"/>
+              <a:ext cx="541122" cy="1075519"/>
+            </a:xfrm>
+            <a:custGeom>
+              <a:avLst/>
+              <a:gdLst>
+                <a:gd name="connsiteX0" fmla="*/ 541122 w 554564"/>
+                <a:gd name="connsiteY0" fmla="*/ 1028700 h 1028700"/>
+                <a:gd name="connsiteX1" fmla="*/ 541122 w 554564"/>
+                <a:gd name="connsiteY1" fmla="*/ 685800 h 1028700"/>
+                <a:gd name="connsiteX2" fmla="*/ 401422 w 554564"/>
+                <a:gd name="connsiteY2" fmla="*/ 558800 h 1028700"/>
+                <a:gd name="connsiteX3" fmla="*/ 96622 w 554564"/>
+                <a:gd name="connsiteY3" fmla="*/ 431800 h 1028700"/>
+                <a:gd name="connsiteX4" fmla="*/ 7722 w 554564"/>
+                <a:gd name="connsiteY4" fmla="*/ 241300 h 1028700"/>
+                <a:gd name="connsiteX5" fmla="*/ 20422 w 554564"/>
+                <a:gd name="connsiteY5" fmla="*/ 63500 h 1028700"/>
+                <a:gd name="connsiteX6" fmla="*/ 147422 w 554564"/>
+                <a:gd name="connsiteY6" fmla="*/ 0 h 1028700"/>
+              </a:gdLst>
+              <a:ahLst/>
+              <a:cxnLst>
+                <a:cxn ang="0">
+                  <a:pos x="connsiteX0" y="connsiteY0"/>
+                </a:cxn>
+                <a:cxn ang="0">
+                  <a:pos x="connsiteX1" y="connsiteY1"/>
+                </a:cxn>
+                <a:cxn ang="0">
+                  <a:pos x="connsiteX2" y="connsiteY2"/>
+                </a:cxn>
+                <a:cxn ang="0">
+                  <a:pos x="connsiteX3" y="connsiteY3"/>
+                </a:cxn>
+                <a:cxn ang="0">
+                  <a:pos x="connsiteX4" y="connsiteY4"/>
+                </a:cxn>
+                <a:cxn ang="0">
+                  <a:pos x="connsiteX5" y="connsiteY5"/>
+                </a:cxn>
+                <a:cxn ang="0">
+                  <a:pos x="connsiteX6" y="connsiteY6"/>
+                </a:cxn>
+              </a:cxnLst>
+              <a:rect l="l" t="t" r="r" b="b"/>
+              <a:pathLst>
+                <a:path w="554564" h="1028700">
+                  <a:moveTo>
+                    <a:pt x="541122" y="1028700"/>
+                  </a:moveTo>
+                  <a:cubicBezTo>
+                    <a:pt x="552763" y="896408"/>
+                    <a:pt x="564405" y="764117"/>
+                    <a:pt x="541122" y="685800"/>
+                  </a:cubicBezTo>
+                  <a:cubicBezTo>
+                    <a:pt x="517839" y="607483"/>
+                    <a:pt x="475505" y="601133"/>
+                    <a:pt x="401422" y="558800"/>
+                  </a:cubicBezTo>
+                  <a:cubicBezTo>
+                    <a:pt x="327339" y="516467"/>
+                    <a:pt x="162239" y="484717"/>
+                    <a:pt x="96622" y="431800"/>
+                  </a:cubicBezTo>
+                  <a:cubicBezTo>
+                    <a:pt x="31005" y="378883"/>
+                    <a:pt x="20422" y="302683"/>
+                    <a:pt x="7722" y="241300"/>
+                  </a:cubicBezTo>
+                  <a:cubicBezTo>
+                    <a:pt x="-4978" y="179917"/>
+                    <a:pt x="-2861" y="103717"/>
+                    <a:pt x="20422" y="63500"/>
+                  </a:cubicBezTo>
+                  <a:cubicBezTo>
+                    <a:pt x="43705" y="23283"/>
+                    <a:pt x="95563" y="11641"/>
+                    <a:pt x="147422" y="0"/>
+                  </a:cubicBezTo>
+                </a:path>
+              </a:pathLst>
+            </a:custGeom>
+            <a:noFill/>
+            <a:ln w="19050">
+              <a:solidFill>
+                <a:schemeClr val="accent2">
+                  <a:lumMod val="75000"/>
+                </a:schemeClr>
+              </a:solidFill>
+              <a:prstDash val="sysDash"/>
+              <a:headEnd type="none" w="med" len="med"/>
+              <a:tailEnd type="arrow" w="med" len="med"/>
+            </a:ln>
+          </p:spPr>
+          <p:style>
+            <a:lnRef idx="2">
+              <a:schemeClr val="accent1">
+                <a:shade val="50000"/>
+              </a:schemeClr>
+            </a:lnRef>
+            <a:fillRef idx="1">
+              <a:schemeClr val="accent1"/>
+            </a:fillRef>
+            <a:effectRef idx="0">
+              <a:schemeClr val="accent1"/>
+            </a:effectRef>
+            <a:fontRef idx="minor">
+              <a:schemeClr val="lt1"/>
+            </a:fontRef>
+          </p:style>
+          <p:txBody>
+            <a:bodyPr rtlCol="0" anchor="ctr"/>
+            <a:lstStyle/>
+            <a:p>
+              <a:pPr algn="ctr"/>
+              <a:endParaRPr lang="zh-CN" altLang="en-US"/>
+            </a:p>
+          </p:txBody>
+        </p:sp>
+        <p:sp>
+          <p:nvSpPr>
+            <p:cNvPr id="44" name="文本框 43"/>
+            <p:cNvSpPr txBox="1"/>
+            <p:nvPr/>
+          </p:nvSpPr>
+          <p:spPr>
+            <a:xfrm>
+              <a:off x="554297" y="4536875"/>
+              <a:ext cx="2227003" cy="738664"/>
+            </a:xfrm>
+            <a:prstGeom prst="rect">
+              <a:avLst/>
+            </a:prstGeom>
+            <a:noFill/>
+          </p:spPr>
+          <p:txBody>
+            <a:bodyPr wrap="square" rtlCol="0">
+              <a:spAutoFit/>
+            </a:bodyPr>
+            <a:lstStyle/>
+            <a:p>
+              <a:r>
+                <a:rPr lang="en-US" altLang="zh-CN" sz="1400" b="1" dirty="0" smtClean="0"/>
+                <a:t>$0100-$019F </a:t>
+              </a:r>
+              <a:r>
+                <a:rPr lang="en-US" altLang="zh-CN" sz="1400" dirty="0" smtClean="0"/>
+                <a:t>160 bytes</a:t>
+              </a:r>
+            </a:p>
+            <a:p>
+              <a:r>
+                <a:rPr lang="zh-CN" altLang="en-US" sz="1400" dirty="0"/>
+                <a:t>下一</a:t>
+              </a:r>
+              <a:r>
+                <a:rPr lang="zh-CN" altLang="en-US" sz="1400" dirty="0" smtClean="0"/>
+                <a:t>个</a:t>
+              </a:r>
+              <a:r>
+                <a:rPr lang="en-US" altLang="zh-CN" sz="1400" dirty="0" smtClean="0"/>
+                <a:t>vblank</a:t>
+              </a:r>
+              <a:r>
+                <a:rPr lang="zh-CN" altLang="en-US" sz="1400" dirty="0" smtClean="0"/>
+                <a:t>需要复制到</a:t>
+              </a:r>
+              <a:r>
+                <a:rPr lang="en-US" altLang="zh-CN" sz="1400" dirty="0" smtClean="0"/>
+                <a:t>nametable</a:t>
+              </a:r>
+              <a:r>
+                <a:rPr lang="zh-CN" altLang="en-US" sz="1400" dirty="0" smtClean="0"/>
+                <a:t>中的数据</a:t>
+              </a:r>
+              <a:endParaRPr lang="zh-CN" altLang="en-US" sz="1400" dirty="0"/>
+            </a:p>
+          </p:txBody>
+        </p:sp>
+        <p:sp>
+          <p:nvSpPr>
+            <p:cNvPr id="45" name="任意多边形 44"/>
+            <p:cNvSpPr/>
+            <p:nvPr/>
+          </p:nvSpPr>
+          <p:spPr>
+            <a:xfrm>
+              <a:off x="2498656" y="3467100"/>
+              <a:ext cx="279534" cy="1511300"/>
+            </a:xfrm>
+            <a:custGeom>
+              <a:avLst/>
+              <a:gdLst>
+                <a:gd name="connsiteX0" fmla="*/ 28644 w 279534"/>
+                <a:gd name="connsiteY0" fmla="*/ 0 h 1511300"/>
+                <a:gd name="connsiteX1" fmla="*/ 3244 w 279534"/>
+                <a:gd name="connsiteY1" fmla="*/ 330200 h 1511300"/>
+                <a:gd name="connsiteX2" fmla="*/ 15944 w 279534"/>
+                <a:gd name="connsiteY2" fmla="*/ 736600 h 1511300"/>
+                <a:gd name="connsiteX3" fmla="*/ 142944 w 279534"/>
+                <a:gd name="connsiteY3" fmla="*/ 1066800 h 1511300"/>
+                <a:gd name="connsiteX4" fmla="*/ 231844 w 279534"/>
+                <a:gd name="connsiteY4" fmla="*/ 1181100 h 1511300"/>
+                <a:gd name="connsiteX5" fmla="*/ 269944 w 279534"/>
+                <a:gd name="connsiteY5" fmla="*/ 1409700 h 1511300"/>
+                <a:gd name="connsiteX6" fmla="*/ 54044 w 279534"/>
+                <a:gd name="connsiteY6" fmla="*/ 1511300 h 1511300"/>
+              </a:gdLst>
+              <a:ahLst/>
+              <a:cxnLst>
+                <a:cxn ang="0">
+                  <a:pos x="connsiteX0" y="connsiteY0"/>
+                </a:cxn>
+                <a:cxn ang="0">
+                  <a:pos x="connsiteX1" y="connsiteY1"/>
+                </a:cxn>
+                <a:cxn ang="0">
+                  <a:pos x="connsiteX2" y="connsiteY2"/>
+                </a:cxn>
+                <a:cxn ang="0">
+                  <a:pos x="connsiteX3" y="connsiteY3"/>
+                </a:cxn>
+                <a:cxn ang="0">
+                  <a:pos x="connsiteX4" y="connsiteY4"/>
+                </a:cxn>
+                <a:cxn ang="0">
+                  <a:pos x="connsiteX5" y="connsiteY5"/>
+                </a:cxn>
+                <a:cxn ang="0">
+                  <a:pos x="connsiteX6" y="connsiteY6"/>
+                </a:cxn>
+              </a:cxnLst>
+              <a:rect l="l" t="t" r="r" b="b"/>
+              <a:pathLst>
+                <a:path w="279534" h="1511300">
+                  <a:moveTo>
+                    <a:pt x="28644" y="0"/>
+                  </a:moveTo>
+                  <a:cubicBezTo>
+                    <a:pt x="17002" y="103716"/>
+                    <a:pt x="5361" y="207433"/>
+                    <a:pt x="3244" y="330200"/>
+                  </a:cubicBezTo>
+                  <a:cubicBezTo>
+                    <a:pt x="1127" y="452967"/>
+                    <a:pt x="-7339" y="613833"/>
+                    <a:pt x="15944" y="736600"/>
+                  </a:cubicBezTo>
+                  <a:cubicBezTo>
+                    <a:pt x="39227" y="859367"/>
+                    <a:pt x="106961" y="992717"/>
+                    <a:pt x="142944" y="1066800"/>
+                  </a:cubicBezTo>
+                  <a:cubicBezTo>
+                    <a:pt x="178927" y="1140883"/>
+                    <a:pt x="210677" y="1123950"/>
+                    <a:pt x="231844" y="1181100"/>
+                  </a:cubicBezTo>
+                  <a:cubicBezTo>
+                    <a:pt x="253011" y="1238250"/>
+                    <a:pt x="299577" y="1354667"/>
+                    <a:pt x="269944" y="1409700"/>
+                  </a:cubicBezTo>
+                  <a:cubicBezTo>
+                    <a:pt x="240311" y="1464733"/>
+                    <a:pt x="147177" y="1488016"/>
+                    <a:pt x="54044" y="1511300"/>
+                  </a:cubicBezTo>
+                </a:path>
+              </a:pathLst>
+            </a:custGeom>
+            <a:noFill/>
+            <a:ln w="19050">
+              <a:solidFill>
+                <a:schemeClr val="accent2">
+                  <a:lumMod val="75000"/>
+                </a:schemeClr>
+              </a:solidFill>
+              <a:prstDash val="sysDash"/>
+              <a:headEnd type="none" w="med" len="med"/>
+              <a:tailEnd type="arrow" w="med" len="med"/>
+            </a:ln>
+          </p:spPr>
+          <p:style>
+            <a:lnRef idx="2">
+              <a:schemeClr val="accent1">
+                <a:shade val="50000"/>
+              </a:schemeClr>
+            </a:lnRef>
+            <a:fillRef idx="1">
+              <a:schemeClr val="accent1"/>
+            </a:fillRef>
+            <a:effectRef idx="0">
+              <a:schemeClr val="accent1"/>
+            </a:effectRef>
+            <a:fontRef idx="minor">
+              <a:schemeClr val="lt1"/>
+            </a:fontRef>
+          </p:style>
+          <p:txBody>
+            <a:bodyPr rtlCol="0" anchor="ctr"/>
+            <a:lstStyle/>
+            <a:p>
+              <a:pPr algn="ctr"/>
+              <a:endParaRPr lang="zh-CN" altLang="en-US"/>
+            </a:p>
+          </p:txBody>
+        </p:sp>
+        <p:sp>
+          <p:nvSpPr>
+            <p:cNvPr id="46" name="文本框 45"/>
+            <p:cNvSpPr txBox="1"/>
+            <p:nvPr/>
+          </p:nvSpPr>
+          <p:spPr>
+            <a:xfrm>
+              <a:off x="2989947" y="4650571"/>
+              <a:ext cx="2227003" cy="523220"/>
+            </a:xfrm>
+            <a:prstGeom prst="rect">
+              <a:avLst/>
+            </a:prstGeom>
+            <a:noFill/>
+          </p:spPr>
+          <p:txBody>
+            <a:bodyPr wrap="square" rtlCol="0">
+              <a:spAutoFit/>
+            </a:bodyPr>
+            <a:lstStyle/>
+            <a:p>
+              <a:r>
+                <a:rPr lang="en-US" altLang="zh-CN" sz="1400" b="1" dirty="0" smtClean="0"/>
+                <a:t>$01A0-$01FF </a:t>
+              </a:r>
+              <a:r>
+                <a:rPr lang="en-US" altLang="zh-CN" sz="1400" dirty="0" smtClean="0"/>
+                <a:t>96 bytes</a:t>
+              </a:r>
+            </a:p>
+            <a:p>
+              <a:r>
+                <a:rPr lang="zh-CN" altLang="en-US" sz="1400" dirty="0" smtClean="0"/>
+                <a:t>程序栈</a:t>
+              </a:r>
+              <a:endParaRPr lang="zh-CN" altLang="en-US" sz="1400" dirty="0"/>
+            </a:p>
+          </p:txBody>
+        </p:sp>
+        <p:sp>
+          <p:nvSpPr>
+            <p:cNvPr id="48" name="任意多边形 47"/>
+            <p:cNvSpPr/>
+            <p:nvPr/>
+          </p:nvSpPr>
+          <p:spPr>
+            <a:xfrm>
+              <a:off x="3144885" y="3486150"/>
+              <a:ext cx="712740" cy="1190625"/>
+            </a:xfrm>
+            <a:custGeom>
+              <a:avLst/>
+              <a:gdLst>
+                <a:gd name="connsiteX0" fmla="*/ 26940 w 712740"/>
+                <a:gd name="connsiteY0" fmla="*/ 0 h 1190625"/>
+                <a:gd name="connsiteX1" fmla="*/ 7890 w 712740"/>
+                <a:gd name="connsiteY1" fmla="*/ 485775 h 1190625"/>
+                <a:gd name="connsiteX2" fmla="*/ 141240 w 712740"/>
+                <a:gd name="connsiteY2" fmla="*/ 819150 h 1190625"/>
+                <a:gd name="connsiteX3" fmla="*/ 579390 w 712740"/>
+                <a:gd name="connsiteY3" fmla="*/ 1009650 h 1190625"/>
+                <a:gd name="connsiteX4" fmla="*/ 712740 w 712740"/>
+                <a:gd name="connsiteY4" fmla="*/ 1190625 h 1190625"/>
+              </a:gdLst>
+              <a:ahLst/>
+              <a:cxnLst>
+                <a:cxn ang="0">
+                  <a:pos x="connsiteX0" y="connsiteY0"/>
+                </a:cxn>
+                <a:cxn ang="0">
+                  <a:pos x="connsiteX1" y="connsiteY1"/>
+                </a:cxn>
+                <a:cxn ang="0">
+                  <a:pos x="connsiteX2" y="connsiteY2"/>
+                </a:cxn>
+                <a:cxn ang="0">
+                  <a:pos x="connsiteX3" y="connsiteY3"/>
+                </a:cxn>
+                <a:cxn ang="0">
+                  <a:pos x="connsiteX4" y="connsiteY4"/>
+                </a:cxn>
+              </a:cxnLst>
+              <a:rect l="l" t="t" r="r" b="b"/>
+              <a:pathLst>
+                <a:path w="712740" h="1190625">
+                  <a:moveTo>
+                    <a:pt x="26940" y="0"/>
+                  </a:moveTo>
+                  <a:cubicBezTo>
+                    <a:pt x="7890" y="174625"/>
+                    <a:pt x="-11160" y="349250"/>
+                    <a:pt x="7890" y="485775"/>
+                  </a:cubicBezTo>
+                  <a:cubicBezTo>
+                    <a:pt x="26940" y="622300"/>
+                    <a:pt x="45990" y="731838"/>
+                    <a:pt x="141240" y="819150"/>
+                  </a:cubicBezTo>
+                  <a:cubicBezTo>
+                    <a:pt x="236490" y="906462"/>
+                    <a:pt x="484140" y="947738"/>
+                    <a:pt x="579390" y="1009650"/>
+                  </a:cubicBezTo>
+                  <a:cubicBezTo>
+                    <a:pt x="674640" y="1071562"/>
+                    <a:pt x="693690" y="1131093"/>
+                    <a:pt x="712740" y="1190625"/>
+                  </a:cubicBezTo>
+                </a:path>
+              </a:pathLst>
+            </a:custGeom>
+            <a:noFill/>
+            <a:ln w="19050">
+              <a:solidFill>
+                <a:schemeClr val="accent2">
+                  <a:lumMod val="75000"/>
+                </a:schemeClr>
+              </a:solidFill>
+              <a:prstDash val="sysDash"/>
+              <a:headEnd type="none" w="med" len="med"/>
+              <a:tailEnd type="arrow" w="med" len="med"/>
+            </a:ln>
+          </p:spPr>
+          <p:style>
+            <a:lnRef idx="2">
+              <a:schemeClr val="accent1">
+                <a:shade val="50000"/>
+              </a:schemeClr>
+            </a:lnRef>
+            <a:fillRef idx="1">
+              <a:schemeClr val="accent1"/>
+            </a:fillRef>
+            <a:effectRef idx="0">
+              <a:schemeClr val="accent1"/>
+            </a:effectRef>
+            <a:fontRef idx="minor">
+              <a:schemeClr val="lt1"/>
+            </a:fontRef>
+          </p:style>
+          <p:txBody>
+            <a:bodyPr rtlCol="0" anchor="ctr"/>
+            <a:lstStyle/>
+            <a:p>
+              <a:pPr algn="ctr"/>
+              <a:endParaRPr lang="zh-CN" altLang="en-US"/>
+            </a:p>
+          </p:txBody>
+        </p:sp>
+        <p:sp>
+          <p:nvSpPr>
+            <p:cNvPr id="49" name="文本框 48"/>
+            <p:cNvSpPr txBox="1"/>
+            <p:nvPr/>
+          </p:nvSpPr>
+          <p:spPr>
+            <a:xfrm>
+              <a:off x="4221423" y="904452"/>
+              <a:ext cx="2052378" cy="738664"/>
+            </a:xfrm>
+            <a:prstGeom prst="rect">
+              <a:avLst/>
+            </a:prstGeom>
+            <a:noFill/>
+          </p:spPr>
+          <p:txBody>
+            <a:bodyPr wrap="square" rtlCol="0">
+              <a:spAutoFit/>
+            </a:bodyPr>
+            <a:lstStyle/>
+            <a:p>
+              <a:r>
+                <a:rPr lang="en-US" altLang="zh-CN" sz="1400" b="1" dirty="0" smtClean="0"/>
+                <a:t>$0200-$02FF </a:t>
+              </a:r>
+              <a:r>
+                <a:rPr lang="en-US" altLang="zh-CN" sz="1400" dirty="0" smtClean="0"/>
+                <a:t>256 bytes</a:t>
+              </a:r>
+            </a:p>
+            <a:p>
+              <a:r>
+                <a:rPr lang="zh-CN" altLang="en-US" sz="1400" dirty="0"/>
+                <a:t>下一</a:t>
+              </a:r>
+              <a:r>
+                <a:rPr lang="zh-CN" altLang="en-US" sz="1400" dirty="0" smtClean="0"/>
+                <a:t>个</a:t>
+              </a:r>
+              <a:r>
+                <a:rPr lang="en-US" altLang="zh-CN" sz="1400" dirty="0" smtClean="0"/>
+                <a:t>vblank</a:t>
+              </a:r>
+              <a:r>
+                <a:rPr lang="zh-CN" altLang="en-US" sz="1400" dirty="0" smtClean="0"/>
+                <a:t>需要复制到</a:t>
+              </a:r>
+              <a:r>
+                <a:rPr lang="en-US" altLang="zh-CN" sz="1400" dirty="0"/>
+                <a:t>OAM</a:t>
+              </a:r>
+              <a:r>
+                <a:rPr lang="zh-CN" altLang="en-US" sz="1400" dirty="0" smtClean="0"/>
+                <a:t>中的数据。</a:t>
+              </a:r>
+              <a:endParaRPr lang="zh-CN" altLang="en-US" sz="1400" dirty="0"/>
+            </a:p>
+          </p:txBody>
+        </p:sp>
+        <p:sp>
+          <p:nvSpPr>
+            <p:cNvPr id="50" name="任意多边形 49"/>
+            <p:cNvSpPr/>
+            <p:nvPr/>
+          </p:nvSpPr>
+          <p:spPr>
+            <a:xfrm>
+              <a:off x="3822700" y="1244600"/>
+              <a:ext cx="368300" cy="1841500"/>
+            </a:xfrm>
+            <a:custGeom>
+              <a:avLst/>
+              <a:gdLst>
+                <a:gd name="connsiteX0" fmla="*/ 292100 w 368300"/>
+                <a:gd name="connsiteY0" fmla="*/ 1841500 h 1841500"/>
+                <a:gd name="connsiteX1" fmla="*/ 254000 w 368300"/>
+                <a:gd name="connsiteY1" fmla="*/ 1066800 h 1841500"/>
+                <a:gd name="connsiteX2" fmla="*/ 114300 w 368300"/>
+                <a:gd name="connsiteY2" fmla="*/ 736600 h 1841500"/>
+                <a:gd name="connsiteX3" fmla="*/ 101600 w 368300"/>
+                <a:gd name="connsiteY3" fmla="*/ 406400 h 1841500"/>
+                <a:gd name="connsiteX4" fmla="*/ 0 w 368300"/>
+                <a:gd name="connsiteY4" fmla="*/ 203200 h 1841500"/>
+                <a:gd name="connsiteX5" fmla="*/ 101600 w 368300"/>
+                <a:gd name="connsiteY5" fmla="*/ 38100 h 1841500"/>
+                <a:gd name="connsiteX6" fmla="*/ 368300 w 368300"/>
+                <a:gd name="connsiteY6" fmla="*/ 0 h 1841500"/>
+              </a:gdLst>
+              <a:ahLst/>
+              <a:cxnLst>
+                <a:cxn ang="0">
+                  <a:pos x="connsiteX0" y="connsiteY0"/>
+                </a:cxn>
+                <a:cxn ang="0">
+                  <a:pos x="connsiteX1" y="connsiteY1"/>
+                </a:cxn>
+                <a:cxn ang="0">
+                  <a:pos x="connsiteX2" y="connsiteY2"/>
+                </a:cxn>
+                <a:cxn ang="0">
+                  <a:pos x="connsiteX3" y="connsiteY3"/>
+                </a:cxn>
+                <a:cxn ang="0">
+                  <a:pos x="connsiteX4" y="connsiteY4"/>
+                </a:cxn>
+                <a:cxn ang="0">
+                  <a:pos x="connsiteX5" y="connsiteY5"/>
+                </a:cxn>
+                <a:cxn ang="0">
+                  <a:pos x="connsiteX6" y="connsiteY6"/>
+                </a:cxn>
+              </a:cxnLst>
+              <a:rect l="l" t="t" r="r" b="b"/>
+              <a:pathLst>
+                <a:path w="368300" h="1841500">
+                  <a:moveTo>
+                    <a:pt x="292100" y="1841500"/>
+                  </a:moveTo>
+                  <a:cubicBezTo>
+                    <a:pt x="287866" y="1546225"/>
+                    <a:pt x="283633" y="1250950"/>
+                    <a:pt x="254000" y="1066800"/>
+                  </a:cubicBezTo>
+                  <a:cubicBezTo>
+                    <a:pt x="224367" y="882650"/>
+                    <a:pt x="139700" y="846667"/>
+                    <a:pt x="114300" y="736600"/>
+                  </a:cubicBezTo>
+                  <a:cubicBezTo>
+                    <a:pt x="88900" y="626533"/>
+                    <a:pt x="120650" y="495300"/>
+                    <a:pt x="101600" y="406400"/>
+                  </a:cubicBezTo>
+                  <a:cubicBezTo>
+                    <a:pt x="82550" y="317500"/>
+                    <a:pt x="0" y="264583"/>
+                    <a:pt x="0" y="203200"/>
+                  </a:cubicBezTo>
+                  <a:cubicBezTo>
+                    <a:pt x="0" y="141817"/>
+                    <a:pt x="40217" y="71967"/>
+                    <a:pt x="101600" y="38100"/>
+                  </a:cubicBezTo>
+                  <a:cubicBezTo>
+                    <a:pt x="162983" y="4233"/>
+                    <a:pt x="265641" y="2116"/>
+                    <a:pt x="368300" y="0"/>
+                  </a:cubicBezTo>
+                </a:path>
+              </a:pathLst>
+            </a:custGeom>
+            <a:noFill/>
+            <a:ln w="19050">
+              <a:solidFill>
+                <a:schemeClr val="accent2">
+                  <a:lumMod val="75000"/>
+                </a:schemeClr>
+              </a:solidFill>
+              <a:prstDash val="sysDash"/>
+              <a:headEnd type="none" w="med" len="med"/>
+              <a:tailEnd type="arrow" w="med" len="med"/>
+            </a:ln>
+          </p:spPr>
+          <p:style>
+            <a:lnRef idx="2">
+              <a:schemeClr val="accent1">
+                <a:shade val="50000"/>
+              </a:schemeClr>
+            </a:lnRef>
+            <a:fillRef idx="1">
+              <a:schemeClr val="accent1"/>
+            </a:fillRef>
+            <a:effectRef idx="0">
+              <a:schemeClr val="accent1"/>
+            </a:effectRef>
+            <a:fontRef idx="minor">
+              <a:schemeClr val="lt1"/>
+            </a:fontRef>
+          </p:style>
+          <p:txBody>
+            <a:bodyPr rtlCol="0" anchor="ctr"/>
+            <a:lstStyle/>
+            <a:p>
+              <a:pPr algn="ctr"/>
+              <a:endParaRPr lang="zh-CN" altLang="en-US"/>
+            </a:p>
+          </p:txBody>
+        </p:sp>
+        <p:sp>
+          <p:nvSpPr>
+            <p:cNvPr id="51" name="文本框 50"/>
+            <p:cNvSpPr txBox="1"/>
+            <p:nvPr/>
+          </p:nvSpPr>
+          <p:spPr>
+            <a:xfrm>
+              <a:off x="5593236" y="4524072"/>
+              <a:ext cx="2052378" cy="738664"/>
+            </a:xfrm>
+            <a:prstGeom prst="rect">
+              <a:avLst/>
+            </a:prstGeom>
+            <a:noFill/>
+          </p:spPr>
+          <p:txBody>
+            <a:bodyPr wrap="square" rtlCol="0">
+              <a:spAutoFit/>
+            </a:bodyPr>
+            <a:lstStyle/>
+            <a:p>
+              <a:r>
+                <a:rPr lang="en-US" altLang="zh-CN" sz="1400" b="1" dirty="0" smtClean="0"/>
+                <a:t>$0300-$03FF </a:t>
+              </a:r>
+              <a:r>
+                <a:rPr lang="en-US" altLang="zh-CN" sz="1400" dirty="0" smtClean="0"/>
+                <a:t>256 bytes</a:t>
+              </a:r>
+            </a:p>
+            <a:p>
+              <a:r>
+                <a:rPr lang="zh-CN" altLang="en-US" sz="1400" dirty="0" smtClean="0"/>
+                <a:t>音频播放的变量，或者其他变量。</a:t>
+              </a:r>
+              <a:endParaRPr lang="zh-CN" altLang="en-US" sz="1400" dirty="0"/>
+            </a:p>
+          </p:txBody>
+        </p:sp>
+        <p:sp>
+          <p:nvSpPr>
+            <p:cNvPr id="52" name="任意多边形 51"/>
+            <p:cNvSpPr/>
+            <p:nvPr/>
+          </p:nvSpPr>
+          <p:spPr>
+            <a:xfrm>
+              <a:off x="5157570" y="3454400"/>
+              <a:ext cx="519330" cy="1368008"/>
+            </a:xfrm>
+            <a:custGeom>
+              <a:avLst/>
+              <a:gdLst>
+                <a:gd name="connsiteX0" fmla="*/ 405030 w 519330"/>
+                <a:gd name="connsiteY0" fmla="*/ 0 h 1368008"/>
+                <a:gd name="connsiteX1" fmla="*/ 265330 w 519330"/>
+                <a:gd name="connsiteY1" fmla="*/ 393700 h 1368008"/>
+                <a:gd name="connsiteX2" fmla="*/ 74830 w 519330"/>
+                <a:gd name="connsiteY2" fmla="*/ 596900 h 1368008"/>
+                <a:gd name="connsiteX3" fmla="*/ 11330 w 519330"/>
+                <a:gd name="connsiteY3" fmla="*/ 812800 h 1368008"/>
+                <a:gd name="connsiteX4" fmla="*/ 11330 w 519330"/>
+                <a:gd name="connsiteY4" fmla="*/ 1079500 h 1368008"/>
+                <a:gd name="connsiteX5" fmla="*/ 125630 w 519330"/>
+                <a:gd name="connsiteY5" fmla="*/ 1333500 h 1368008"/>
+                <a:gd name="connsiteX6" fmla="*/ 519330 w 519330"/>
+                <a:gd name="connsiteY6" fmla="*/ 1358900 h 1368008"/>
+              </a:gdLst>
+              <a:ahLst/>
+              <a:cxnLst>
+                <a:cxn ang="0">
+                  <a:pos x="connsiteX0" y="connsiteY0"/>
+                </a:cxn>
+                <a:cxn ang="0">
+                  <a:pos x="connsiteX1" y="connsiteY1"/>
+                </a:cxn>
+                <a:cxn ang="0">
+                  <a:pos x="connsiteX2" y="connsiteY2"/>
+                </a:cxn>
+                <a:cxn ang="0">
+                  <a:pos x="connsiteX3" y="connsiteY3"/>
+                </a:cxn>
+                <a:cxn ang="0">
+                  <a:pos x="connsiteX4" y="connsiteY4"/>
+                </a:cxn>
+                <a:cxn ang="0">
+                  <a:pos x="connsiteX5" y="connsiteY5"/>
+                </a:cxn>
+                <a:cxn ang="0">
+                  <a:pos x="connsiteX6" y="connsiteY6"/>
+                </a:cxn>
+              </a:cxnLst>
+              <a:rect l="l" t="t" r="r" b="b"/>
+              <a:pathLst>
+                <a:path w="519330" h="1368008">
+                  <a:moveTo>
+                    <a:pt x="405030" y="0"/>
+                  </a:moveTo>
+                  <a:cubicBezTo>
+                    <a:pt x="362696" y="147108"/>
+                    <a:pt x="320363" y="294217"/>
+                    <a:pt x="265330" y="393700"/>
+                  </a:cubicBezTo>
+                  <a:cubicBezTo>
+                    <a:pt x="210297" y="493183"/>
+                    <a:pt x="117163" y="527050"/>
+                    <a:pt x="74830" y="596900"/>
+                  </a:cubicBezTo>
+                  <a:cubicBezTo>
+                    <a:pt x="32497" y="666750"/>
+                    <a:pt x="21913" y="732367"/>
+                    <a:pt x="11330" y="812800"/>
+                  </a:cubicBezTo>
+                  <a:cubicBezTo>
+                    <a:pt x="747" y="893233"/>
+                    <a:pt x="-7720" y="992717"/>
+                    <a:pt x="11330" y="1079500"/>
+                  </a:cubicBezTo>
+                  <a:cubicBezTo>
+                    <a:pt x="30380" y="1166283"/>
+                    <a:pt x="40963" y="1286933"/>
+                    <a:pt x="125630" y="1333500"/>
+                  </a:cubicBezTo>
+                  <a:cubicBezTo>
+                    <a:pt x="210297" y="1380067"/>
+                    <a:pt x="364813" y="1369483"/>
+                    <a:pt x="519330" y="1358900"/>
+                  </a:cubicBezTo>
+                </a:path>
+              </a:pathLst>
+            </a:custGeom>
+            <a:noFill/>
+            <a:ln w="19050">
+              <a:solidFill>
+                <a:schemeClr val="accent2">
+                  <a:lumMod val="75000"/>
+                </a:schemeClr>
+              </a:solidFill>
+              <a:prstDash val="sysDash"/>
+              <a:headEnd type="none" w="med" len="med"/>
+              <a:tailEnd type="arrow" w="med" len="med"/>
+            </a:ln>
+          </p:spPr>
+          <p:style>
+            <a:lnRef idx="2">
+              <a:schemeClr val="accent1">
+                <a:shade val="50000"/>
+              </a:schemeClr>
+            </a:lnRef>
+            <a:fillRef idx="1">
+              <a:schemeClr val="accent1"/>
+            </a:fillRef>
+            <a:effectRef idx="0">
+              <a:schemeClr val="accent1"/>
+            </a:effectRef>
+            <a:fontRef idx="minor">
+              <a:schemeClr val="lt1"/>
+            </a:fontRef>
+          </p:style>
+          <p:txBody>
+            <a:bodyPr rtlCol="0" anchor="ctr"/>
+            <a:lstStyle/>
+            <a:p>
+              <a:pPr algn="ctr"/>
+              <a:endParaRPr lang="zh-CN" altLang="en-US"/>
+            </a:p>
+          </p:txBody>
+        </p:sp>
+        <p:sp>
+          <p:nvSpPr>
+            <p:cNvPr id="53" name="文本框 52"/>
+            <p:cNvSpPr txBox="1"/>
+            <p:nvPr/>
+          </p:nvSpPr>
+          <p:spPr>
+            <a:xfrm>
+              <a:off x="7079033" y="2569686"/>
+              <a:ext cx="3859638" cy="523220"/>
+            </a:xfrm>
+            <a:prstGeom prst="rect">
+              <a:avLst/>
+            </a:prstGeom>
+            <a:noFill/>
+          </p:spPr>
+          <p:txBody>
+            <a:bodyPr wrap="square" rtlCol="0">
+              <a:spAutoFit/>
+            </a:bodyPr>
+            <a:lstStyle/>
+            <a:p>
+              <a:r>
+                <a:rPr lang="en-US" altLang="zh-CN" sz="1400" b="1" dirty="0" smtClean="0"/>
+                <a:t>$0400-$07FF </a:t>
+              </a:r>
+              <a:r>
+                <a:rPr lang="en-US" altLang="zh-CN" sz="1400" dirty="0" smtClean="0"/>
+                <a:t>1024 bytes</a:t>
+              </a:r>
+            </a:p>
+            <a:p>
+              <a:r>
+                <a:rPr lang="zh-CN" altLang="en-US" sz="1400" dirty="0" smtClean="0"/>
+                <a:t>数组和不常访问的全局变量</a:t>
+              </a:r>
+              <a:endParaRPr lang="zh-CN" altLang="en-US" sz="1400" dirty="0"/>
+            </a:p>
+          </p:txBody>
+        </p:sp>
+      </p:grpSp>
     </p:spTree>
     <p:extLst>
       <p:ext uri="{BB962C8B-B14F-4D97-AF65-F5344CB8AC3E}">
@@ -4943,6 +7308,13 @@
   <p:clrMapOvr>
     <a:masterClrMapping/>
   </p:clrMapOvr>
+  <p:timing>
+    <p:tnLst>
+      <p:par>
+        <p:cTn id="1" dur="indefinite" restart="never" nodeType="tmRoot"/>
+      </p:par>
+    </p:tnLst>
+  </p:timing>
 </p:sld>
 </file>
 
